--- a/Documentation/Pokedex_presentation.pptx
+++ b/Documentation/Pokedex_presentation.pptx
@@ -112,6 +112,11 @@
       </a:defRPr>
     </a:lvl9pPr>
   </p:defaultTextStyle>
+  <p:extLst>
+    <p:ext uri="{EFAFB233-063F-42B5-8137-9DF3F51BA10A}">
+      <p15:sldGuideLst xmlns:p15="http://schemas.microsoft.com/office/powerpoint/2012/main"/>
+    </p:ext>
+  </p:extLst>
 </p:presentation>
 </file>
 
@@ -197,7 +202,7 @@
           <a:p>
             <a:fld id="{EE85D7E5-6147-43FC-865C-8F0633F0B2EB}" type="datetimeFigureOut">
               <a:rPr lang="fr-CH" smtClean="0"/>
-              <a:t>27.03.2018</a:t>
+              <a:t>09.04.2018</a:t>
             </a:fld>
             <a:endParaRPr lang="fr-CH"/>
           </a:p>
@@ -6623,6 +6628,10 @@
             <a:endParaRPr lang="fr-CH" dirty="0"/>
           </a:p>
           <a:p>
+            <a:r>
+              <a:rPr lang="fr-CH" dirty="0" smtClean="0"/>
+              <a:t>Contenu</a:t>
+            </a:r>
             <a:endParaRPr lang="fr-CH" dirty="0" smtClean="0"/>
           </a:p>
           <a:p>
@@ -7122,7 +7131,11 @@
           <a:bodyPr/>
           <a:lstStyle/>
           <a:p>
-            <a:endParaRPr lang="fr-CH"/>
+            <a:r>
+              <a:rPr lang="fr-CH" dirty="0" smtClean="0"/>
+              <a:t>Contenu	</a:t>
+            </a:r>
+            <a:endParaRPr lang="fr-CH" dirty="0"/>
           </a:p>
         </p:txBody>
       </p:sp>
@@ -7141,7 +7154,7 @@
           <a:bodyPr/>
           <a:lstStyle/>
           <a:p>
-            <a:endParaRPr lang="fr-CH"/>
+            <a:endParaRPr lang="fr-CH" dirty="0"/>
           </a:p>
         </p:txBody>
       </p:sp>

--- a/Documentation/Pokedex_presentation.pptx
+++ b/Documentation/Pokedex_presentation.pptx
@@ -5,15 +5,19 @@
     <p:sldMasterId id="2147483648" r:id="rId1"/>
   </p:sldMasterIdLst>
   <p:notesMasterIdLst>
-    <p:notesMasterId r:id="rId8"/>
+    <p:notesMasterId r:id="rId12"/>
   </p:notesMasterIdLst>
   <p:sldIdLst>
     <p:sldId id="256" r:id="rId2"/>
     <p:sldId id="257" r:id="rId3"/>
     <p:sldId id="258" r:id="rId4"/>
     <p:sldId id="259" r:id="rId5"/>
-    <p:sldId id="261" r:id="rId6"/>
-    <p:sldId id="260" r:id="rId7"/>
+    <p:sldId id="262" r:id="rId6"/>
+    <p:sldId id="264" r:id="rId7"/>
+    <p:sldId id="261" r:id="rId8"/>
+    <p:sldId id="263" r:id="rId9"/>
+    <p:sldId id="265" r:id="rId10"/>
+    <p:sldId id="260" r:id="rId11"/>
   </p:sldIdLst>
   <p:sldSz cx="12192000" cy="6858000"/>
   <p:notesSz cx="6858000" cy="9144000"/>
@@ -6560,6 +6564,157 @@
 </p:sld>
 </file>
 
+<file path=ppt/slides/slide10.xml><?xml version="1.0" encoding="utf-8"?>
+<p:sld xmlns:a="http://schemas.openxmlformats.org/drawingml/2006/main" xmlns:r="http://schemas.openxmlformats.org/officeDocument/2006/relationships" xmlns:p="http://schemas.openxmlformats.org/presentationml/2006/main">
+  <p:cSld>
+    <p:spTree>
+      <p:nvGrpSpPr>
+        <p:cNvPr id="1" name=""/>
+        <p:cNvGrpSpPr/>
+        <p:nvPr/>
+      </p:nvGrpSpPr>
+      <p:grpSpPr>
+        <a:xfrm>
+          <a:off x="0" y="0"/>
+          <a:ext cx="0" cy="0"/>
+          <a:chOff x="0" y="0"/>
+          <a:chExt cx="0" cy="0"/>
+        </a:xfrm>
+      </p:grpSpPr>
+      <p:sp>
+        <p:nvSpPr>
+          <p:cNvPr id="2" name="Titre 1"/>
+          <p:cNvSpPr>
+            <a:spLocks noGrp="1"/>
+          </p:cNvSpPr>
+          <p:nvPr>
+            <p:ph type="title"/>
+          </p:nvPr>
+        </p:nvSpPr>
+        <p:spPr/>
+        <p:txBody>
+          <a:bodyPr/>
+          <a:lstStyle/>
+          <a:p>
+            <a:r>
+              <a:rPr lang="fr-CH" dirty="0" smtClean="0"/>
+              <a:t>Questions</a:t>
+            </a:r>
+            <a:endParaRPr lang="fr-CH" dirty="0"/>
+          </a:p>
+        </p:txBody>
+      </p:sp>
+      <p:pic>
+        <p:nvPicPr>
+          <p:cNvPr id="7" name="Espace réservé du contenu 6"/>
+          <p:cNvPicPr>
+            <a:picLocks noGrp="1" noChangeAspect="1"/>
+          </p:cNvPicPr>
+          <p:nvPr>
+            <p:ph idx="1"/>
+          </p:nvPr>
+        </p:nvPicPr>
+        <p:blipFill>
+          <a:blip r:embed="rId2">
+            <a:extLst>
+              <a:ext uri="{28A0092B-C50C-407E-A947-70E740481C1C}">
+                <a14:useLocalDpi xmlns:a14="http://schemas.microsoft.com/office/drawing/2010/main" val="0"/>
+              </a:ext>
+            </a:extLst>
+          </a:blip>
+          <a:stretch>
+            <a:fillRect/>
+          </a:stretch>
+        </p:blipFill>
+        <p:spPr>
+          <a:xfrm>
+            <a:off x="1849688" y="2052638"/>
+            <a:ext cx="7454399" cy="4195762"/>
+          </a:xfrm>
+        </p:spPr>
+      </p:pic>
+      <p:sp>
+        <p:nvSpPr>
+          <p:cNvPr id="4" name="Espace réservé de la date 3"/>
+          <p:cNvSpPr>
+            <a:spLocks noGrp="1"/>
+          </p:cNvSpPr>
+          <p:nvPr>
+            <p:ph type="dt" sz="half" idx="10"/>
+          </p:nvPr>
+        </p:nvSpPr>
+        <p:spPr/>
+        <p:txBody>
+          <a:bodyPr/>
+          <a:lstStyle/>
+          <a:p>
+            <a:r>
+              <a:rPr lang="en-US" smtClean="0"/>
+              <a:t>27.03.2018</a:t>
+            </a:r>
+            <a:endParaRPr lang="en-US" dirty="0"/>
+          </a:p>
+        </p:txBody>
+      </p:sp>
+      <p:sp>
+        <p:nvSpPr>
+          <p:cNvPr id="5" name="Espace réservé du pied de page 4"/>
+          <p:cNvSpPr>
+            <a:spLocks noGrp="1"/>
+          </p:cNvSpPr>
+          <p:nvPr>
+            <p:ph type="ftr" sz="quarter" idx="11"/>
+          </p:nvPr>
+        </p:nvSpPr>
+        <p:spPr/>
+        <p:txBody>
+          <a:bodyPr/>
+          <a:lstStyle/>
+          <a:p>
+            <a:r>
+              <a:rPr lang="en-US" smtClean="0"/>
+              <a:t>I.FA-P3B - DUBAS LOÏC, PIGHINI LUCAS, NGUYEN BILLY</a:t>
+            </a:r>
+            <a:endParaRPr lang="en-US" dirty="0"/>
+          </a:p>
+        </p:txBody>
+      </p:sp>
+      <p:sp>
+        <p:nvSpPr>
+          <p:cNvPr id="6" name="Espace réservé du numéro de diapositive 5"/>
+          <p:cNvSpPr>
+            <a:spLocks noGrp="1"/>
+          </p:cNvSpPr>
+          <p:nvPr>
+            <p:ph type="sldNum" sz="quarter" idx="12"/>
+          </p:nvPr>
+        </p:nvSpPr>
+        <p:spPr/>
+        <p:txBody>
+          <a:bodyPr/>
+          <a:lstStyle/>
+          <a:p>
+            <a:fld id="{D57F1E4F-1CFF-5643-939E-02111984F565}" type="slidenum">
+              <a:rPr lang="en-US" smtClean="0"/>
+              <a:t>10</a:t>
+            </a:fld>
+            <a:endParaRPr lang="en-US" dirty="0"/>
+          </a:p>
+        </p:txBody>
+      </p:sp>
+    </p:spTree>
+    <p:extLst>
+      <p:ext uri="{BB962C8B-B14F-4D97-AF65-F5344CB8AC3E}">
+        <p14:creationId xmlns:p14="http://schemas.microsoft.com/office/powerpoint/2010/main" val="2739869394"/>
+      </p:ext>
+    </p:extLst>
+  </p:cSld>
+  <p:clrMapOvr>
+    <a:masterClrMapping/>
+  </p:clrMapOvr>
+</p:sld>
+</file>
+
 <file path=ppt/slides/slide2.xml><?xml version="1.0" encoding="utf-8"?>
 <p:sld xmlns:a="http://schemas.openxmlformats.org/drawingml/2006/main" xmlns:r="http://schemas.openxmlformats.org/officeDocument/2006/relationships" xmlns:p="http://schemas.openxmlformats.org/presentationml/2006/main">
   <p:cSld>
@@ -6632,7 +6787,6 @@
               <a:rPr lang="fr-CH" dirty="0" smtClean="0"/>
               <a:t>Contenu</a:t>
             </a:r>
-            <a:endParaRPr lang="fr-CH" dirty="0" smtClean="0"/>
           </a:p>
           <a:p>
             <a:r>
@@ -7004,9 +7158,8 @@
             </a:pPr>
             <a:r>
               <a:rPr lang="fr-CH" dirty="0" smtClean="0"/>
-              <a:t>Github</a:t>
-            </a:r>
-            <a:endParaRPr lang="fr-CH" dirty="0"/>
+              <a:t>GitHub</a:t>
+            </a:r>
           </a:p>
         </p:txBody>
       </p:sp>
@@ -7133,7 +7286,7 @@
           <a:p>
             <a:r>
               <a:rPr lang="fr-CH" dirty="0" smtClean="0"/>
-              <a:t>Contenu	</a:t>
+              <a:t>Solutions possibles</a:t>
             </a:r>
             <a:endParaRPr lang="fr-CH" dirty="0"/>
           </a:p>
@@ -7154,6 +7307,72 @@
           <a:bodyPr/>
           <a:lstStyle/>
           <a:p>
+            <a:r>
+              <a:rPr lang="fr-CH" dirty="0" smtClean="0"/>
+              <a:t>Multitude d’exemple déjà présent</a:t>
+            </a:r>
+          </a:p>
+          <a:p>
+            <a:r>
+              <a:rPr lang="fr-CH" dirty="0" err="1" smtClean="0"/>
+              <a:t>Pokebip</a:t>
+            </a:r>
+            <a:r>
+              <a:rPr lang="fr-CH" dirty="0" smtClean="0"/>
+              <a:t> </a:t>
+            </a:r>
+            <a:r>
+              <a:rPr lang="fr-CH" dirty="0"/>
+              <a:t>(</a:t>
+            </a:r>
+            <a:r>
+              <a:rPr lang="fr-CH" dirty="0">
+                <a:hlinkClick r:id="rId2"/>
+              </a:rPr>
+              <a:t>https://www.pokebip.com/pokedex</a:t>
+            </a:r>
+            <a:r>
+              <a:rPr lang="fr-CH" dirty="0" smtClean="0"/>
+              <a:t>)</a:t>
+            </a:r>
+          </a:p>
+          <a:p>
+            <a:r>
+              <a:rPr lang="fr-CH" dirty="0" err="1" smtClean="0"/>
+              <a:t>PokeTrash</a:t>
+            </a:r>
+            <a:r>
+              <a:rPr lang="fr-CH" dirty="0" smtClean="0"/>
+              <a:t> (</a:t>
+            </a:r>
+            <a:r>
+              <a:rPr lang="fr-CH" dirty="0" smtClean="0">
+                <a:hlinkClick r:id="rId3"/>
+              </a:rPr>
+              <a:t>http</a:t>
+            </a:r>
+            <a:r>
+              <a:rPr lang="fr-CH" dirty="0">
+                <a:hlinkClick r:id="rId3"/>
+              </a:rPr>
+              <a:t>://www.pokemontrash.com/pokedex</a:t>
+            </a:r>
+            <a:r>
+              <a:rPr lang="fr-CH" dirty="0" smtClean="0">
+                <a:hlinkClick r:id="rId3"/>
+              </a:rPr>
+              <a:t>/</a:t>
+            </a:r>
+            <a:r>
+              <a:rPr lang="fr-CH" dirty="0" smtClean="0"/>
+              <a:t>)</a:t>
+            </a:r>
+          </a:p>
+          <a:p>
+            <a:r>
+              <a:rPr lang="fr-CH" dirty="0" smtClean="0"/>
+              <a:t>Etc…</a:t>
+            </a:r>
             <a:endParaRPr lang="fr-CH" dirty="0"/>
           </a:p>
         </p:txBody>
@@ -7222,6 +7441,342 @@
             <a:fld id="{D57F1E4F-1CFF-5643-939E-02111984F565}" type="slidenum">
               <a:rPr lang="en-US" smtClean="0"/>
               <a:t>5</a:t>
+            </a:fld>
+            <a:endParaRPr lang="en-US" dirty="0"/>
+          </a:p>
+        </p:txBody>
+      </p:sp>
+    </p:spTree>
+    <p:extLst>
+      <p:ext uri="{BB962C8B-B14F-4D97-AF65-F5344CB8AC3E}">
+        <p14:creationId xmlns:p14="http://schemas.microsoft.com/office/powerpoint/2010/main" val="280636834"/>
+      </p:ext>
+    </p:extLst>
+  </p:cSld>
+  <p:clrMapOvr>
+    <a:masterClrMapping/>
+  </p:clrMapOvr>
+</p:sld>
+</file>
+
+<file path=ppt/slides/slide6.xml><?xml version="1.0" encoding="utf-8"?>
+<p:sld xmlns:a="http://schemas.openxmlformats.org/drawingml/2006/main" xmlns:r="http://schemas.openxmlformats.org/officeDocument/2006/relationships" xmlns:p="http://schemas.openxmlformats.org/presentationml/2006/main">
+  <p:cSld>
+    <p:spTree>
+      <p:nvGrpSpPr>
+        <p:cNvPr id="1" name=""/>
+        <p:cNvGrpSpPr/>
+        <p:nvPr/>
+      </p:nvGrpSpPr>
+      <p:grpSpPr>
+        <a:xfrm>
+          <a:off x="0" y="0"/>
+          <a:ext cx="0" cy="0"/>
+          <a:chOff x="0" y="0"/>
+          <a:chExt cx="0" cy="0"/>
+        </a:xfrm>
+      </p:grpSpPr>
+      <p:sp>
+        <p:nvSpPr>
+          <p:cNvPr id="2" name="Titre 1"/>
+          <p:cNvSpPr>
+            <a:spLocks noGrp="1"/>
+          </p:cNvSpPr>
+          <p:nvPr>
+            <p:ph type="title"/>
+          </p:nvPr>
+        </p:nvSpPr>
+        <p:spPr/>
+        <p:txBody>
+          <a:bodyPr/>
+          <a:lstStyle/>
+          <a:p>
+            <a:r>
+              <a:rPr lang="fr-CH" dirty="0" smtClean="0"/>
+              <a:t>Contenu</a:t>
+            </a:r>
+            <a:br>
+              <a:rPr lang="fr-CH" dirty="0" smtClean="0"/>
+            </a:br>
+            <a:endParaRPr lang="fr-CH" dirty="0"/>
+          </a:p>
+        </p:txBody>
+      </p:sp>
+      <p:sp>
+        <p:nvSpPr>
+          <p:cNvPr id="3" name="Espace réservé du contenu 2"/>
+          <p:cNvSpPr>
+            <a:spLocks noGrp="1"/>
+          </p:cNvSpPr>
+          <p:nvPr>
+            <p:ph idx="1"/>
+          </p:nvPr>
+        </p:nvSpPr>
+        <p:spPr/>
+        <p:txBody>
+          <a:bodyPr/>
+          <a:lstStyle/>
+          <a:p>
+            <a:endParaRPr lang="fr-CH"/>
+          </a:p>
+        </p:txBody>
+      </p:sp>
+      <p:sp>
+        <p:nvSpPr>
+          <p:cNvPr id="4" name="Espace réservé de la date 3"/>
+          <p:cNvSpPr>
+            <a:spLocks noGrp="1"/>
+          </p:cNvSpPr>
+          <p:nvPr>
+            <p:ph type="dt" sz="half" idx="10"/>
+          </p:nvPr>
+        </p:nvSpPr>
+        <p:spPr/>
+        <p:txBody>
+          <a:bodyPr/>
+          <a:lstStyle/>
+          <a:p>
+            <a:r>
+              <a:rPr lang="en-US" smtClean="0"/>
+              <a:t>27.03.2018</a:t>
+            </a:r>
+            <a:endParaRPr lang="en-US" dirty="0"/>
+          </a:p>
+        </p:txBody>
+      </p:sp>
+      <p:sp>
+        <p:nvSpPr>
+          <p:cNvPr id="5" name="Espace réservé du pied de page 4"/>
+          <p:cNvSpPr>
+            <a:spLocks noGrp="1"/>
+          </p:cNvSpPr>
+          <p:nvPr>
+            <p:ph type="ftr" sz="quarter" idx="11"/>
+          </p:nvPr>
+        </p:nvSpPr>
+        <p:spPr/>
+        <p:txBody>
+          <a:bodyPr/>
+          <a:lstStyle/>
+          <a:p>
+            <a:r>
+              <a:rPr lang="en-US" smtClean="0"/>
+              <a:t>I.FA-P3B - DUBAS LOÏC, PIGHINI LUCAS, NGUYEN BILLY</a:t>
+            </a:r>
+            <a:endParaRPr lang="en-US" dirty="0"/>
+          </a:p>
+        </p:txBody>
+      </p:sp>
+      <p:sp>
+        <p:nvSpPr>
+          <p:cNvPr id="6" name="Espace réservé du numéro de diapositive 5"/>
+          <p:cNvSpPr>
+            <a:spLocks noGrp="1"/>
+          </p:cNvSpPr>
+          <p:nvPr>
+            <p:ph type="sldNum" sz="quarter" idx="12"/>
+          </p:nvPr>
+        </p:nvSpPr>
+        <p:spPr/>
+        <p:txBody>
+          <a:bodyPr/>
+          <a:lstStyle/>
+          <a:p>
+            <a:fld id="{D57F1E4F-1CFF-5643-939E-02111984F565}" type="slidenum">
+              <a:rPr lang="en-US" smtClean="0"/>
+              <a:t>6</a:t>
+            </a:fld>
+            <a:endParaRPr lang="en-US" dirty="0"/>
+          </a:p>
+        </p:txBody>
+      </p:sp>
+    </p:spTree>
+    <p:extLst>
+      <p:ext uri="{BB962C8B-B14F-4D97-AF65-F5344CB8AC3E}">
+        <p14:creationId xmlns:p14="http://schemas.microsoft.com/office/powerpoint/2010/main" val="1855207615"/>
+      </p:ext>
+    </p:extLst>
+  </p:cSld>
+  <p:clrMapOvr>
+    <a:masterClrMapping/>
+  </p:clrMapOvr>
+</p:sld>
+</file>
+
+<file path=ppt/slides/slide7.xml><?xml version="1.0" encoding="utf-8"?>
+<p:sld xmlns:a="http://schemas.openxmlformats.org/drawingml/2006/main" xmlns:r="http://schemas.openxmlformats.org/officeDocument/2006/relationships" xmlns:p="http://schemas.openxmlformats.org/presentationml/2006/main">
+  <p:cSld>
+    <p:spTree>
+      <p:nvGrpSpPr>
+        <p:cNvPr id="1" name=""/>
+        <p:cNvGrpSpPr/>
+        <p:nvPr/>
+      </p:nvGrpSpPr>
+      <p:grpSpPr>
+        <a:xfrm>
+          <a:off x="0" y="0"/>
+          <a:ext cx="0" cy="0"/>
+          <a:chOff x="0" y="0"/>
+          <a:chExt cx="0" cy="0"/>
+        </a:xfrm>
+      </p:grpSpPr>
+      <p:sp>
+        <p:nvSpPr>
+          <p:cNvPr id="2" name="Titre 1"/>
+          <p:cNvSpPr>
+            <a:spLocks noGrp="1"/>
+          </p:cNvSpPr>
+          <p:nvPr>
+            <p:ph type="title"/>
+          </p:nvPr>
+        </p:nvSpPr>
+        <p:spPr/>
+        <p:txBody>
+          <a:bodyPr/>
+          <a:lstStyle/>
+          <a:p>
+            <a:r>
+              <a:rPr lang="fr-CH" dirty="0" smtClean="0"/>
+              <a:t>Mise en œuvre</a:t>
+            </a:r>
+            <a:br>
+              <a:rPr lang="fr-CH" dirty="0" smtClean="0"/>
+            </a:br>
+            <a:endParaRPr lang="fr-CH" dirty="0"/>
+          </a:p>
+        </p:txBody>
+      </p:sp>
+      <p:sp>
+        <p:nvSpPr>
+          <p:cNvPr id="3" name="Espace réservé du contenu 2"/>
+          <p:cNvSpPr>
+            <a:spLocks noGrp="1"/>
+          </p:cNvSpPr>
+          <p:nvPr>
+            <p:ph idx="1"/>
+          </p:nvPr>
+        </p:nvSpPr>
+        <p:spPr/>
+        <p:txBody>
+          <a:bodyPr/>
+          <a:lstStyle/>
+          <a:p>
+            <a:r>
+              <a:rPr lang="fr-CH" dirty="0" smtClean="0"/>
+              <a:t>Affichages Pokémon , attaques , types</a:t>
+            </a:r>
+          </a:p>
+          <a:p>
+            <a:pPr lvl="1"/>
+            <a:r>
+              <a:rPr lang="fr-CH" dirty="0" smtClean="0"/>
+              <a:t>Tableau html </a:t>
+            </a:r>
+          </a:p>
+          <a:p>
+            <a:pPr lvl="1"/>
+            <a:r>
+              <a:rPr lang="fr-CH" dirty="0" smtClean="0"/>
+              <a:t>Key = attribut de la base.</a:t>
+            </a:r>
+          </a:p>
+          <a:p>
+            <a:pPr lvl="1"/>
+            <a:endParaRPr lang="fr-CH" dirty="0"/>
+          </a:p>
+          <a:p>
+            <a:r>
+              <a:rPr lang="fr-CH" dirty="0" smtClean="0"/>
+              <a:t>Affichage spécifique</a:t>
+            </a:r>
+            <a:endParaRPr lang="fr-CH" dirty="0"/>
+          </a:p>
+          <a:p>
+            <a:pPr lvl="1"/>
+            <a:r>
+              <a:rPr lang="fr-CH" dirty="0" smtClean="0"/>
+              <a:t>Nom = lien avec id du Pokémon</a:t>
+            </a:r>
+            <a:endParaRPr lang="fr-CH" dirty="0"/>
+          </a:p>
+          <a:p>
+            <a:pPr lvl="1"/>
+            <a:r>
+              <a:rPr lang="fr-CH" dirty="0"/>
+              <a:t>$</a:t>
+            </a:r>
+            <a:r>
+              <a:rPr lang="fr-CH" dirty="0" smtClean="0"/>
+              <a:t>_GET pour récup l’id dans le lien et afficher</a:t>
+            </a:r>
+            <a:endParaRPr lang="fr-CH" dirty="0"/>
+          </a:p>
+        </p:txBody>
+      </p:sp>
+      <p:sp>
+        <p:nvSpPr>
+          <p:cNvPr id="4" name="Espace réservé de la date 3"/>
+          <p:cNvSpPr>
+            <a:spLocks noGrp="1"/>
+          </p:cNvSpPr>
+          <p:nvPr>
+            <p:ph type="dt" sz="half" idx="10"/>
+          </p:nvPr>
+        </p:nvSpPr>
+        <p:spPr/>
+        <p:txBody>
+          <a:bodyPr/>
+          <a:lstStyle/>
+          <a:p>
+            <a:r>
+              <a:rPr lang="en-US" smtClean="0"/>
+              <a:t>27.03.2018</a:t>
+            </a:r>
+            <a:endParaRPr lang="en-US" dirty="0"/>
+          </a:p>
+        </p:txBody>
+      </p:sp>
+      <p:sp>
+        <p:nvSpPr>
+          <p:cNvPr id="5" name="Espace réservé du pied de page 4"/>
+          <p:cNvSpPr>
+            <a:spLocks noGrp="1"/>
+          </p:cNvSpPr>
+          <p:nvPr>
+            <p:ph type="ftr" sz="quarter" idx="11"/>
+          </p:nvPr>
+        </p:nvSpPr>
+        <p:spPr/>
+        <p:txBody>
+          <a:bodyPr/>
+          <a:lstStyle/>
+          <a:p>
+            <a:r>
+              <a:rPr lang="en-US" smtClean="0"/>
+              <a:t>I.FA-P3B - DUBAS LOÏC, PIGHINI LUCAS, NGUYEN BILLY</a:t>
+            </a:r>
+            <a:endParaRPr lang="en-US" dirty="0"/>
+          </a:p>
+        </p:txBody>
+      </p:sp>
+      <p:sp>
+        <p:nvSpPr>
+          <p:cNvPr id="6" name="Espace réservé du numéro de diapositive 5"/>
+          <p:cNvSpPr>
+            <a:spLocks noGrp="1"/>
+          </p:cNvSpPr>
+          <p:nvPr>
+            <p:ph type="sldNum" sz="quarter" idx="12"/>
+          </p:nvPr>
+        </p:nvSpPr>
+        <p:spPr/>
+        <p:txBody>
+          <a:bodyPr/>
+          <a:lstStyle/>
+          <a:p>
+            <a:fld id="{D57F1E4F-1CFF-5643-939E-02111984F565}" type="slidenum">
+              <a:rPr lang="en-US" smtClean="0"/>
+              <a:t>7</a:t>
             </a:fld>
             <a:endParaRPr lang="en-US" dirty="0"/>
           </a:p>
@@ -7247,7 +7802,7 @@
 </p:sld>
 </file>
 
-<file path=ppt/slides/slide6.xml><?xml version="1.0" encoding="utf-8"?>
+<file path=ppt/slides/slide8.xml><?xml version="1.0" encoding="utf-8"?>
 <p:sld xmlns:a="http://schemas.openxmlformats.org/drawingml/2006/main" xmlns:r="http://schemas.openxmlformats.org/officeDocument/2006/relationships" xmlns:p="http://schemas.openxmlformats.org/presentationml/2006/main">
   <p:cSld>
     <p:spTree>
@@ -7281,41 +7836,31 @@
           <a:p>
             <a:r>
               <a:rPr lang="fr-CH" dirty="0" smtClean="0"/>
-              <a:t>Questions</a:t>
+              <a:t>Tests</a:t>
             </a:r>
             <a:endParaRPr lang="fr-CH" dirty="0"/>
           </a:p>
         </p:txBody>
       </p:sp>
-      <p:pic>
-        <p:nvPicPr>
-          <p:cNvPr id="7" name="Espace réservé du contenu 6"/>
-          <p:cNvPicPr>
-            <a:picLocks noGrp="1" noChangeAspect="1"/>
-          </p:cNvPicPr>
+      <p:sp>
+        <p:nvSpPr>
+          <p:cNvPr id="3" name="Espace réservé du contenu 2"/>
+          <p:cNvSpPr>
+            <a:spLocks noGrp="1"/>
+          </p:cNvSpPr>
           <p:nvPr>
             <p:ph idx="1"/>
           </p:nvPr>
-        </p:nvPicPr>
-        <p:blipFill>
-          <a:blip r:embed="rId2">
-            <a:extLst>
-              <a:ext uri="{28A0092B-C50C-407E-A947-70E740481C1C}">
-                <a14:useLocalDpi xmlns:a14="http://schemas.microsoft.com/office/drawing/2010/main" val="0"/>
-              </a:ext>
-            </a:extLst>
-          </a:blip>
-          <a:stretch>
-            <a:fillRect/>
-          </a:stretch>
-        </p:blipFill>
-        <p:spPr>
-          <a:xfrm>
-            <a:off x="1849688" y="2052638"/>
-            <a:ext cx="7454399" cy="4195762"/>
-          </a:xfrm>
-        </p:spPr>
-      </p:pic>
+        </p:nvSpPr>
+        <p:spPr/>
+        <p:txBody>
+          <a:bodyPr/>
+          <a:lstStyle/>
+          <a:p>
+            <a:endParaRPr lang="fr-CH"/>
+          </a:p>
+        </p:txBody>
+      </p:sp>
       <p:sp>
         <p:nvSpPr>
           <p:cNvPr id="4" name="Espace réservé de la date 3"/>
@@ -7379,7 +7924,7 @@
           <a:p>
             <a:fld id="{D57F1E4F-1CFF-5643-939E-02111984F565}" type="slidenum">
               <a:rPr lang="en-US" smtClean="0"/>
-              <a:t>6</a:t>
+              <a:t>8</a:t>
             </a:fld>
             <a:endParaRPr lang="en-US" dirty="0"/>
           </a:p>
@@ -7388,7 +7933,152 @@
     </p:spTree>
     <p:extLst>
       <p:ext uri="{BB962C8B-B14F-4D97-AF65-F5344CB8AC3E}">
-        <p14:creationId xmlns:p14="http://schemas.microsoft.com/office/powerpoint/2010/main" val="2739869394"/>
+        <p14:creationId xmlns:p14="http://schemas.microsoft.com/office/powerpoint/2010/main" val="3171130356"/>
+      </p:ext>
+    </p:extLst>
+  </p:cSld>
+  <p:clrMapOvr>
+    <a:masterClrMapping/>
+  </p:clrMapOvr>
+</p:sld>
+</file>
+
+<file path=ppt/slides/slide9.xml><?xml version="1.0" encoding="utf-8"?>
+<p:sld xmlns:a="http://schemas.openxmlformats.org/drawingml/2006/main" xmlns:r="http://schemas.openxmlformats.org/officeDocument/2006/relationships" xmlns:p="http://schemas.openxmlformats.org/presentationml/2006/main">
+  <p:cSld>
+    <p:spTree>
+      <p:nvGrpSpPr>
+        <p:cNvPr id="1" name=""/>
+        <p:cNvGrpSpPr/>
+        <p:nvPr/>
+      </p:nvGrpSpPr>
+      <p:grpSpPr>
+        <a:xfrm>
+          <a:off x="0" y="0"/>
+          <a:ext cx="0" cy="0"/>
+          <a:chOff x="0" y="0"/>
+          <a:chExt cx="0" cy="0"/>
+        </a:xfrm>
+      </p:grpSpPr>
+      <p:sp>
+        <p:nvSpPr>
+          <p:cNvPr id="2" name="Titre 1"/>
+          <p:cNvSpPr>
+            <a:spLocks noGrp="1"/>
+          </p:cNvSpPr>
+          <p:nvPr>
+            <p:ph type="title"/>
+          </p:nvPr>
+        </p:nvSpPr>
+        <p:spPr/>
+        <p:txBody>
+          <a:bodyPr/>
+          <a:lstStyle/>
+          <a:p>
+            <a:r>
+              <a:rPr lang="fr-CH" dirty="0" smtClean="0"/>
+              <a:t>Démonstration</a:t>
+            </a:r>
+            <a:endParaRPr lang="fr-CH" dirty="0"/>
+          </a:p>
+        </p:txBody>
+      </p:sp>
+      <p:sp>
+        <p:nvSpPr>
+          <p:cNvPr id="3" name="Espace réservé du contenu 2"/>
+          <p:cNvSpPr>
+            <a:spLocks noGrp="1"/>
+          </p:cNvSpPr>
+          <p:nvPr>
+            <p:ph idx="1"/>
+          </p:nvPr>
+        </p:nvSpPr>
+        <p:spPr/>
+        <p:txBody>
+          <a:bodyPr/>
+          <a:lstStyle/>
+          <a:p>
+            <a:r>
+              <a:rPr lang="fr-CH" dirty="0" smtClean="0"/>
+              <a:t>Lien ? </a:t>
+            </a:r>
+            <a:endParaRPr lang="fr-CH" dirty="0"/>
+          </a:p>
+        </p:txBody>
+      </p:sp>
+      <p:sp>
+        <p:nvSpPr>
+          <p:cNvPr id="4" name="Espace réservé de la date 3"/>
+          <p:cNvSpPr>
+            <a:spLocks noGrp="1"/>
+          </p:cNvSpPr>
+          <p:nvPr>
+            <p:ph type="dt" sz="half" idx="10"/>
+          </p:nvPr>
+        </p:nvSpPr>
+        <p:spPr/>
+        <p:txBody>
+          <a:bodyPr/>
+          <a:lstStyle/>
+          <a:p>
+            <a:r>
+              <a:rPr lang="en-US" smtClean="0"/>
+              <a:t>27.03.2018</a:t>
+            </a:r>
+            <a:endParaRPr lang="en-US" dirty="0"/>
+          </a:p>
+        </p:txBody>
+      </p:sp>
+      <p:sp>
+        <p:nvSpPr>
+          <p:cNvPr id="5" name="Espace réservé du pied de page 4"/>
+          <p:cNvSpPr>
+            <a:spLocks noGrp="1"/>
+          </p:cNvSpPr>
+          <p:nvPr>
+            <p:ph type="ftr" sz="quarter" idx="11"/>
+          </p:nvPr>
+        </p:nvSpPr>
+        <p:spPr/>
+        <p:txBody>
+          <a:bodyPr/>
+          <a:lstStyle/>
+          <a:p>
+            <a:r>
+              <a:rPr lang="en-US" smtClean="0"/>
+              <a:t>I.FA-P3B - DUBAS LOÏC, PIGHINI LUCAS, NGUYEN BILLY</a:t>
+            </a:r>
+            <a:endParaRPr lang="en-US" dirty="0"/>
+          </a:p>
+        </p:txBody>
+      </p:sp>
+      <p:sp>
+        <p:nvSpPr>
+          <p:cNvPr id="6" name="Espace réservé du numéro de diapositive 5"/>
+          <p:cNvSpPr>
+            <a:spLocks noGrp="1"/>
+          </p:cNvSpPr>
+          <p:nvPr>
+            <p:ph type="sldNum" sz="quarter" idx="12"/>
+          </p:nvPr>
+        </p:nvSpPr>
+        <p:spPr/>
+        <p:txBody>
+          <a:bodyPr/>
+          <a:lstStyle/>
+          <a:p>
+            <a:fld id="{D57F1E4F-1CFF-5643-939E-02111984F565}" type="slidenum">
+              <a:rPr lang="en-US" smtClean="0"/>
+              <a:t>9</a:t>
+            </a:fld>
+            <a:endParaRPr lang="en-US" dirty="0"/>
+          </a:p>
+        </p:txBody>
+      </p:sp>
+    </p:spTree>
+    <p:extLst>
+      <p:ext uri="{BB962C8B-B14F-4D97-AF65-F5344CB8AC3E}">
+        <p14:creationId xmlns:p14="http://schemas.microsoft.com/office/powerpoint/2010/main" val="2215094587"/>
       </p:ext>
     </p:extLst>
   </p:cSld>

--- a/Documentation/Pokedex_presentation.pptx
+++ b/Documentation/Pokedex_presentation.pptx
@@ -11,12 +11,12 @@
     <p:sldId id="256" r:id="rId2"/>
     <p:sldId id="257" r:id="rId3"/>
     <p:sldId id="258" r:id="rId4"/>
-    <p:sldId id="259" r:id="rId5"/>
-    <p:sldId id="262" r:id="rId6"/>
-    <p:sldId id="264" r:id="rId7"/>
+    <p:sldId id="262" r:id="rId5"/>
+    <p:sldId id="259" r:id="rId6"/>
+    <p:sldId id="266" r:id="rId7"/>
     <p:sldId id="261" r:id="rId8"/>
     <p:sldId id="263" r:id="rId9"/>
-    <p:sldId id="265" r:id="rId10"/>
+    <p:sldId id="267" r:id="rId10"/>
     <p:sldId id="260" r:id="rId11"/>
   </p:sldIdLst>
   <p:sldSz cx="12192000" cy="6858000"/>
@@ -6778,6 +6778,13 @@
           <a:p>
             <a:r>
               <a:rPr lang="fr-CH" dirty="0" smtClean="0"/>
+              <a:t>Les solutions existantes</a:t>
+            </a:r>
+            <a:endParaRPr lang="fr-CH" dirty="0" smtClean="0"/>
+          </a:p>
+          <a:p>
+            <a:r>
+              <a:rPr lang="fr-CH" dirty="0" smtClean="0"/>
               <a:t>Logiciels utilisés</a:t>
             </a:r>
             <a:endParaRPr lang="fr-CH" dirty="0"/>
@@ -7072,6 +7079,200 @@
           <a:lstStyle/>
           <a:p>
             <a:r>
+              <a:rPr lang="fr-CH" dirty="0"/>
+              <a:t>Les solutions existantes</a:t>
+            </a:r>
+          </a:p>
+        </p:txBody>
+      </p:sp>
+      <p:sp>
+        <p:nvSpPr>
+          <p:cNvPr id="3" name="Espace réservé du contenu 2"/>
+          <p:cNvSpPr>
+            <a:spLocks noGrp="1"/>
+          </p:cNvSpPr>
+          <p:nvPr>
+            <p:ph idx="1"/>
+          </p:nvPr>
+        </p:nvSpPr>
+        <p:spPr/>
+        <p:txBody>
+          <a:bodyPr/>
+          <a:lstStyle/>
+          <a:p>
+            <a:pPr>
+              <a:lnSpc>
+                <a:spcPct val="150000"/>
+              </a:lnSpc>
+            </a:pPr>
+            <a:r>
+              <a:rPr lang="fr-CH" dirty="0" err="1" smtClean="0"/>
+              <a:t>Poképédia</a:t>
+            </a:r>
+            <a:r>
+              <a:rPr lang="fr-CH" dirty="0" smtClean="0"/>
+              <a:t>		(FR)</a:t>
+            </a:r>
+          </a:p>
+          <a:p>
+            <a:pPr>
+              <a:lnSpc>
+                <a:spcPct val="150000"/>
+              </a:lnSpc>
+            </a:pPr>
+            <a:r>
+              <a:rPr lang="fr-CH" dirty="0" smtClean="0"/>
+              <a:t>Pokémon Trash	(FR)</a:t>
+            </a:r>
+          </a:p>
+          <a:p>
+            <a:pPr>
+              <a:lnSpc>
+                <a:spcPct val="150000"/>
+              </a:lnSpc>
+            </a:pPr>
+            <a:r>
+              <a:rPr lang="fr-CH" dirty="0" err="1" smtClean="0"/>
+              <a:t>Pokébip</a:t>
+            </a:r>
+            <a:r>
+              <a:rPr lang="fr-CH" dirty="0" smtClean="0"/>
+              <a:t>			(FR)</a:t>
+            </a:r>
+          </a:p>
+          <a:p>
+            <a:pPr>
+              <a:lnSpc>
+                <a:spcPct val="150000"/>
+              </a:lnSpc>
+            </a:pPr>
+            <a:r>
+              <a:rPr lang="fr-CH" dirty="0" err="1" smtClean="0"/>
+              <a:t>Bulbapedia</a:t>
+            </a:r>
+            <a:r>
+              <a:rPr lang="fr-CH" dirty="0" smtClean="0"/>
+              <a:t>		(EN)</a:t>
+            </a:r>
+            <a:endParaRPr lang="fr-CH" dirty="0"/>
+          </a:p>
+        </p:txBody>
+      </p:sp>
+      <p:sp>
+        <p:nvSpPr>
+          <p:cNvPr id="4" name="Espace réservé de la date 3"/>
+          <p:cNvSpPr>
+            <a:spLocks noGrp="1"/>
+          </p:cNvSpPr>
+          <p:nvPr>
+            <p:ph type="dt" sz="half" idx="10"/>
+          </p:nvPr>
+        </p:nvSpPr>
+        <p:spPr/>
+        <p:txBody>
+          <a:bodyPr/>
+          <a:lstStyle/>
+          <a:p>
+            <a:r>
+              <a:rPr lang="en-US" smtClean="0"/>
+              <a:t>27.03.2018</a:t>
+            </a:r>
+            <a:endParaRPr lang="en-US" dirty="0"/>
+          </a:p>
+        </p:txBody>
+      </p:sp>
+      <p:sp>
+        <p:nvSpPr>
+          <p:cNvPr id="5" name="Espace réservé du pied de page 4"/>
+          <p:cNvSpPr>
+            <a:spLocks noGrp="1"/>
+          </p:cNvSpPr>
+          <p:nvPr>
+            <p:ph type="ftr" sz="quarter" idx="11"/>
+          </p:nvPr>
+        </p:nvSpPr>
+        <p:spPr/>
+        <p:txBody>
+          <a:bodyPr/>
+          <a:lstStyle/>
+          <a:p>
+            <a:r>
+              <a:rPr lang="en-US" smtClean="0"/>
+              <a:t>I.FA-P3B - DUBAS LOÏC, PIGHINI LUCAS, NGUYEN BILLY</a:t>
+            </a:r>
+            <a:endParaRPr lang="en-US" dirty="0"/>
+          </a:p>
+        </p:txBody>
+      </p:sp>
+      <p:sp>
+        <p:nvSpPr>
+          <p:cNvPr id="6" name="Espace réservé du numéro de diapositive 5"/>
+          <p:cNvSpPr>
+            <a:spLocks noGrp="1"/>
+          </p:cNvSpPr>
+          <p:nvPr>
+            <p:ph type="sldNum" sz="quarter" idx="12"/>
+          </p:nvPr>
+        </p:nvSpPr>
+        <p:spPr/>
+        <p:txBody>
+          <a:bodyPr/>
+          <a:lstStyle/>
+          <a:p>
+            <a:fld id="{D57F1E4F-1CFF-5643-939E-02111984F565}" type="slidenum">
+              <a:rPr lang="en-US" smtClean="0"/>
+              <a:t>4</a:t>
+            </a:fld>
+            <a:endParaRPr lang="en-US" dirty="0"/>
+          </a:p>
+        </p:txBody>
+      </p:sp>
+    </p:spTree>
+    <p:extLst>
+      <p:ext uri="{BB962C8B-B14F-4D97-AF65-F5344CB8AC3E}">
+        <p14:creationId xmlns:p14="http://schemas.microsoft.com/office/powerpoint/2010/main" val="280636834"/>
+      </p:ext>
+    </p:extLst>
+  </p:cSld>
+  <p:clrMapOvr>
+    <a:masterClrMapping/>
+  </p:clrMapOvr>
+</p:sld>
+</file>
+
+<file path=ppt/slides/slide5.xml><?xml version="1.0" encoding="utf-8"?>
+<p:sld xmlns:a="http://schemas.openxmlformats.org/drawingml/2006/main" xmlns:r="http://schemas.openxmlformats.org/officeDocument/2006/relationships" xmlns:p="http://schemas.openxmlformats.org/presentationml/2006/main">
+  <p:cSld>
+    <p:spTree>
+      <p:nvGrpSpPr>
+        <p:cNvPr id="1" name=""/>
+        <p:cNvGrpSpPr/>
+        <p:nvPr/>
+      </p:nvGrpSpPr>
+      <p:grpSpPr>
+        <a:xfrm>
+          <a:off x="0" y="0"/>
+          <a:ext cx="0" cy="0"/>
+          <a:chOff x="0" y="0"/>
+          <a:chExt cx="0" cy="0"/>
+        </a:xfrm>
+      </p:grpSpPr>
+      <p:sp>
+        <p:nvSpPr>
+          <p:cNvPr id="2" name="Titre 1"/>
+          <p:cNvSpPr>
+            <a:spLocks noGrp="1"/>
+          </p:cNvSpPr>
+          <p:nvPr>
+            <p:ph type="title"/>
+          </p:nvPr>
+        </p:nvSpPr>
+        <p:spPr/>
+        <p:txBody>
+          <a:bodyPr/>
+          <a:lstStyle/>
+          <a:p>
+            <a:r>
               <a:rPr lang="fr-CH" dirty="0" smtClean="0"/>
               <a:t>Logiciels utilisés</a:t>
             </a:r>
@@ -7226,7 +7427,7 @@
           <a:p>
             <a:fld id="{D57F1E4F-1CFF-5643-939E-02111984F565}" type="slidenum">
               <a:rPr lang="en-US" smtClean="0"/>
-              <a:t>4</a:t>
+              <a:t>5</a:t>
             </a:fld>
             <a:endParaRPr lang="en-US" dirty="0"/>
           </a:p>
@@ -7252,213 +7453,6 @@
 </p:sld>
 </file>
 
-<file path=ppt/slides/slide5.xml><?xml version="1.0" encoding="utf-8"?>
-<p:sld xmlns:a="http://schemas.openxmlformats.org/drawingml/2006/main" xmlns:r="http://schemas.openxmlformats.org/officeDocument/2006/relationships" xmlns:p="http://schemas.openxmlformats.org/presentationml/2006/main">
-  <p:cSld>
-    <p:spTree>
-      <p:nvGrpSpPr>
-        <p:cNvPr id="1" name=""/>
-        <p:cNvGrpSpPr/>
-        <p:nvPr/>
-      </p:nvGrpSpPr>
-      <p:grpSpPr>
-        <a:xfrm>
-          <a:off x="0" y="0"/>
-          <a:ext cx="0" cy="0"/>
-          <a:chOff x="0" y="0"/>
-          <a:chExt cx="0" cy="0"/>
-        </a:xfrm>
-      </p:grpSpPr>
-      <p:sp>
-        <p:nvSpPr>
-          <p:cNvPr id="2" name="Titre 1"/>
-          <p:cNvSpPr>
-            <a:spLocks noGrp="1"/>
-          </p:cNvSpPr>
-          <p:nvPr>
-            <p:ph type="title"/>
-          </p:nvPr>
-        </p:nvSpPr>
-        <p:spPr/>
-        <p:txBody>
-          <a:bodyPr/>
-          <a:lstStyle/>
-          <a:p>
-            <a:r>
-              <a:rPr lang="fr-CH" dirty="0" smtClean="0"/>
-              <a:t>Solutions possibles</a:t>
-            </a:r>
-            <a:endParaRPr lang="fr-CH" dirty="0"/>
-          </a:p>
-        </p:txBody>
-      </p:sp>
-      <p:sp>
-        <p:nvSpPr>
-          <p:cNvPr id="3" name="Espace réservé du contenu 2"/>
-          <p:cNvSpPr>
-            <a:spLocks noGrp="1"/>
-          </p:cNvSpPr>
-          <p:nvPr>
-            <p:ph idx="1"/>
-          </p:nvPr>
-        </p:nvSpPr>
-        <p:spPr/>
-        <p:txBody>
-          <a:bodyPr/>
-          <a:lstStyle/>
-          <a:p>
-            <a:r>
-              <a:rPr lang="fr-CH" dirty="0" smtClean="0"/>
-              <a:t>Multitude d’exemple déjà présent</a:t>
-            </a:r>
-          </a:p>
-          <a:p>
-            <a:r>
-              <a:rPr lang="fr-CH" dirty="0" err="1" smtClean="0"/>
-              <a:t>Pokebip</a:t>
-            </a:r>
-            <a:r>
-              <a:rPr lang="fr-CH" dirty="0" smtClean="0"/>
-              <a:t> </a:t>
-            </a:r>
-            <a:r>
-              <a:rPr lang="fr-CH" dirty="0"/>
-              <a:t>(</a:t>
-            </a:r>
-            <a:r>
-              <a:rPr lang="fr-CH" dirty="0">
-                <a:hlinkClick r:id="rId2"/>
-              </a:rPr>
-              <a:t>https://www.pokebip.com/pokedex</a:t>
-            </a:r>
-            <a:r>
-              <a:rPr lang="fr-CH" dirty="0" smtClean="0"/>
-              <a:t>)</a:t>
-            </a:r>
-          </a:p>
-          <a:p>
-            <a:r>
-              <a:rPr lang="fr-CH" dirty="0" err="1" smtClean="0"/>
-              <a:t>PokeTrash</a:t>
-            </a:r>
-            <a:r>
-              <a:rPr lang="fr-CH" dirty="0" smtClean="0"/>
-              <a:t> (</a:t>
-            </a:r>
-            <a:r>
-              <a:rPr lang="fr-CH" dirty="0" smtClean="0">
-                <a:hlinkClick r:id="rId3"/>
-              </a:rPr>
-              <a:t>http</a:t>
-            </a:r>
-            <a:r>
-              <a:rPr lang="fr-CH" dirty="0">
-                <a:hlinkClick r:id="rId3"/>
-              </a:rPr>
-              <a:t>://www.pokemontrash.com/pokedex</a:t>
-            </a:r>
-            <a:r>
-              <a:rPr lang="fr-CH" dirty="0" smtClean="0">
-                <a:hlinkClick r:id="rId3"/>
-              </a:rPr>
-              <a:t>/</a:t>
-            </a:r>
-            <a:r>
-              <a:rPr lang="fr-CH" dirty="0" smtClean="0"/>
-              <a:t>)</a:t>
-            </a:r>
-          </a:p>
-          <a:p>
-            <a:r>
-              <a:rPr lang="fr-CH" dirty="0" smtClean="0"/>
-              <a:t>Etc…</a:t>
-            </a:r>
-            <a:endParaRPr lang="fr-CH" dirty="0"/>
-          </a:p>
-        </p:txBody>
-      </p:sp>
-      <p:sp>
-        <p:nvSpPr>
-          <p:cNvPr id="4" name="Espace réservé de la date 3"/>
-          <p:cNvSpPr>
-            <a:spLocks noGrp="1"/>
-          </p:cNvSpPr>
-          <p:nvPr>
-            <p:ph type="dt" sz="half" idx="10"/>
-          </p:nvPr>
-        </p:nvSpPr>
-        <p:spPr/>
-        <p:txBody>
-          <a:bodyPr/>
-          <a:lstStyle/>
-          <a:p>
-            <a:r>
-              <a:rPr lang="en-US" smtClean="0"/>
-              <a:t>27.03.2018</a:t>
-            </a:r>
-            <a:endParaRPr lang="en-US" dirty="0"/>
-          </a:p>
-        </p:txBody>
-      </p:sp>
-      <p:sp>
-        <p:nvSpPr>
-          <p:cNvPr id="5" name="Espace réservé du pied de page 4"/>
-          <p:cNvSpPr>
-            <a:spLocks noGrp="1"/>
-          </p:cNvSpPr>
-          <p:nvPr>
-            <p:ph type="ftr" sz="quarter" idx="11"/>
-          </p:nvPr>
-        </p:nvSpPr>
-        <p:spPr/>
-        <p:txBody>
-          <a:bodyPr/>
-          <a:lstStyle/>
-          <a:p>
-            <a:r>
-              <a:rPr lang="en-US" smtClean="0"/>
-              <a:t>I.FA-P3B - DUBAS LOÏC, PIGHINI LUCAS, NGUYEN BILLY</a:t>
-            </a:r>
-            <a:endParaRPr lang="en-US" dirty="0"/>
-          </a:p>
-        </p:txBody>
-      </p:sp>
-      <p:sp>
-        <p:nvSpPr>
-          <p:cNvPr id="6" name="Espace réservé du numéro de diapositive 5"/>
-          <p:cNvSpPr>
-            <a:spLocks noGrp="1"/>
-          </p:cNvSpPr>
-          <p:nvPr>
-            <p:ph type="sldNum" sz="quarter" idx="12"/>
-          </p:nvPr>
-        </p:nvSpPr>
-        <p:spPr/>
-        <p:txBody>
-          <a:bodyPr/>
-          <a:lstStyle/>
-          <a:p>
-            <a:fld id="{D57F1E4F-1CFF-5643-939E-02111984F565}" type="slidenum">
-              <a:rPr lang="en-US" smtClean="0"/>
-              <a:t>5</a:t>
-            </a:fld>
-            <a:endParaRPr lang="en-US" dirty="0"/>
-          </a:p>
-        </p:txBody>
-      </p:sp>
-    </p:spTree>
-    <p:extLst>
-      <p:ext uri="{BB962C8B-B14F-4D97-AF65-F5344CB8AC3E}">
-        <p14:creationId xmlns:p14="http://schemas.microsoft.com/office/powerpoint/2010/main" val="280636834"/>
-      </p:ext>
-    </p:extLst>
-  </p:cSld>
-  <p:clrMapOvr>
-    <a:masterClrMapping/>
-  </p:clrMapOvr>
-</p:sld>
-</file>
-
 <file path=ppt/slides/slide6.xml><?xml version="1.0" encoding="utf-8"?>
 <p:sld xmlns:a="http://schemas.openxmlformats.org/drawingml/2006/main" xmlns:r="http://schemas.openxmlformats.org/officeDocument/2006/relationships" xmlns:p="http://schemas.openxmlformats.org/presentationml/2006/main">
   <p:cSld>
@@ -7493,31 +7487,72 @@
           <a:p>
             <a:r>
               <a:rPr lang="fr-CH" dirty="0" smtClean="0"/>
-              <a:t>Contenu</a:t>
-            </a:r>
-            <a:br>
+              <a:t>Principales fonctionnalités</a:t>
+            </a:r>
+            <a:endParaRPr lang="fr-CH" dirty="0"/>
+          </a:p>
+        </p:txBody>
+      </p:sp>
+      <p:sp>
+        <p:nvSpPr>
+          <p:cNvPr id="3" name="Espace réservé du contenu 2"/>
+          <p:cNvSpPr>
+            <a:spLocks noGrp="1"/>
+          </p:cNvSpPr>
+          <p:nvPr>
+            <p:ph idx="1"/>
+          </p:nvPr>
+        </p:nvSpPr>
+        <p:spPr/>
+        <p:txBody>
+          <a:bodyPr/>
+          <a:lstStyle/>
+          <a:p>
+            <a:r>
               <a:rPr lang="fr-CH" dirty="0" smtClean="0"/>
-            </a:br>
-            <a:endParaRPr lang="fr-CH" dirty="0"/>
-          </a:p>
-        </p:txBody>
-      </p:sp>
-      <p:sp>
-        <p:nvSpPr>
-          <p:cNvPr id="3" name="Espace réservé du contenu 2"/>
-          <p:cNvSpPr>
-            <a:spLocks noGrp="1"/>
-          </p:cNvSpPr>
-          <p:nvPr>
-            <p:ph idx="1"/>
-          </p:nvPr>
-        </p:nvSpPr>
-        <p:spPr/>
-        <p:txBody>
-          <a:bodyPr/>
-          <a:lstStyle/>
-          <a:p>
-            <a:endParaRPr lang="fr-CH"/>
+              <a:t>Liste des tous les Pokémon</a:t>
+            </a:r>
+          </a:p>
+          <a:p>
+            <a:pPr lvl="1">
+              <a:lnSpc>
+                <a:spcPct val="150000"/>
+              </a:lnSpc>
+            </a:pPr>
+            <a:r>
+              <a:rPr lang="fr-CH" dirty="0" smtClean="0"/>
+              <a:t>Page descriptive pour chaque</a:t>
+            </a:r>
+          </a:p>
+          <a:p>
+            <a:pPr>
+              <a:lnSpc>
+                <a:spcPct val="250000"/>
+              </a:lnSpc>
+            </a:pPr>
+            <a:r>
+              <a:rPr lang="fr-CH" dirty="0" smtClean="0"/>
+              <a:t>Liste de toutes les attaques</a:t>
+            </a:r>
+          </a:p>
+          <a:p>
+            <a:pPr lvl="1"/>
+            <a:r>
+              <a:rPr lang="fr-CH" dirty="0"/>
+              <a:t>Page descriptive pour chaque</a:t>
+            </a:r>
+            <a:endParaRPr lang="fr-CH" dirty="0" smtClean="0"/>
+          </a:p>
+          <a:p>
+            <a:pPr>
+              <a:lnSpc>
+                <a:spcPct val="250000"/>
+              </a:lnSpc>
+            </a:pPr>
+            <a:r>
+              <a:rPr lang="fr-CH" dirty="0" smtClean="0"/>
+              <a:t>Liste de tous les types</a:t>
+            </a:r>
           </a:p>
         </p:txBody>
       </p:sp>
@@ -7593,7 +7628,7 @@
     </p:spTree>
     <p:extLst>
       <p:ext uri="{BB962C8B-B14F-4D97-AF65-F5344CB8AC3E}">
-        <p14:creationId xmlns:p14="http://schemas.microsoft.com/office/powerpoint/2010/main" val="1855207615"/>
+        <p14:creationId xmlns:p14="http://schemas.microsoft.com/office/powerpoint/2010/main" val="3896709573"/>
       </p:ext>
     </p:extLst>
   </p:cSld>
@@ -7857,7 +7892,38 @@
           <a:bodyPr/>
           <a:lstStyle/>
           <a:p>
-            <a:endParaRPr lang="fr-CH"/>
+            <a:pPr>
+              <a:lnSpc>
+                <a:spcPct val="200000"/>
+              </a:lnSpc>
+            </a:pPr>
+            <a:r>
+              <a:rPr lang="fr-CH" dirty="0" smtClean="0"/>
+              <a:t>Parcourir les trois onglets (Pokémon, attaques, types)</a:t>
+            </a:r>
+          </a:p>
+          <a:p>
+            <a:pPr>
+              <a:lnSpc>
+                <a:spcPct val="200000"/>
+              </a:lnSpc>
+            </a:pPr>
+            <a:r>
+              <a:rPr lang="fr-CH" dirty="0" smtClean="0"/>
+              <a:t>Cliquer sur n’importe quel Pokémon</a:t>
+            </a:r>
+          </a:p>
+          <a:p>
+            <a:pPr>
+              <a:lnSpc>
+                <a:spcPct val="200000"/>
+              </a:lnSpc>
+            </a:pPr>
+            <a:r>
+              <a:rPr lang="fr-CH" dirty="0" smtClean="0"/>
+              <a:t>Cliquer sur n’importe quelle attaque</a:t>
+            </a:r>
+            <a:endParaRPr lang="fr-CH" dirty="0"/>
           </a:p>
         </p:txBody>
       </p:sp>
@@ -7977,7 +8043,7 @@
           <a:p>
             <a:r>
               <a:rPr lang="fr-CH" dirty="0" smtClean="0"/>
-              <a:t>Démonstration</a:t>
+              <a:t>Conclusion</a:t>
             </a:r>
             <a:endParaRPr lang="fr-CH" dirty="0"/>
           </a:p>
@@ -7998,11 +8064,67 @@
           <a:bodyPr/>
           <a:lstStyle/>
           <a:p>
+            <a:pPr>
+              <a:lnSpc>
+                <a:spcPct val="150000"/>
+              </a:lnSpc>
+            </a:pPr>
             <a:r>
               <a:rPr lang="fr-CH" dirty="0" smtClean="0"/>
-              <a:t>Lien ? </a:t>
-            </a:r>
+              <a:t>Prise en main de </a:t>
+            </a:r>
+            <a:r>
+              <a:rPr lang="fr-CH" dirty="0" err="1" smtClean="0"/>
+              <a:t>GitHub</a:t>
+            </a:r>
+            <a:endParaRPr lang="fr-CH" dirty="0" smtClean="0"/>
+          </a:p>
+          <a:p>
+            <a:pPr>
+              <a:lnSpc>
+                <a:spcPct val="150000"/>
+              </a:lnSpc>
+            </a:pPr>
+            <a:r>
+              <a:rPr lang="fr-CH" dirty="0" smtClean="0"/>
+              <a:t>Approfondissement des connaissances en PHP</a:t>
+            </a:r>
+          </a:p>
+          <a:p>
             <a:endParaRPr lang="fr-CH" dirty="0"/>
+          </a:p>
+          <a:p>
+            <a:pPr>
+              <a:lnSpc>
+                <a:spcPct val="150000"/>
+              </a:lnSpc>
+            </a:pPr>
+            <a:r>
+              <a:rPr lang="fr-CH" dirty="0" smtClean="0"/>
+              <a:t>Lister les attaques pour chaque Pokémon</a:t>
+            </a:r>
+          </a:p>
+          <a:p>
+            <a:pPr>
+              <a:lnSpc>
+                <a:spcPct val="150000"/>
+              </a:lnSpc>
+            </a:pPr>
+            <a:r>
+              <a:rPr lang="fr-CH" dirty="0" smtClean="0"/>
+              <a:t>Lister les forces et les faiblesses de types</a:t>
+            </a:r>
+          </a:p>
+          <a:p>
+            <a:pPr>
+              <a:lnSpc>
+                <a:spcPct val="150000"/>
+              </a:lnSpc>
+            </a:pPr>
+            <a:r>
+              <a:rPr lang="fr-CH" dirty="0" smtClean="0"/>
+              <a:t>Afficher les statistiques</a:t>
+            </a:r>
           </a:p>
         </p:txBody>
       </p:sp>
@@ -8078,7 +8200,7 @@
     </p:spTree>
     <p:extLst>
       <p:ext uri="{BB962C8B-B14F-4D97-AF65-F5344CB8AC3E}">
-        <p14:creationId xmlns:p14="http://schemas.microsoft.com/office/powerpoint/2010/main" val="2215094587"/>
+        <p14:creationId xmlns:p14="http://schemas.microsoft.com/office/powerpoint/2010/main" val="1393238538"/>
       </p:ext>
     </p:extLst>
   </p:cSld>

--- a/Documentation/Pokedex_presentation.pptx
+++ b/Documentation/Pokedex_presentation.pptx
@@ -6780,7 +6780,6 @@
               <a:rPr lang="fr-CH" dirty="0" smtClean="0"/>
               <a:t>Les solutions existantes</a:t>
             </a:r>
-            <a:endParaRPr lang="fr-CH" dirty="0" smtClean="0"/>
           </a:p>
           <a:p>
             <a:r>
@@ -6948,18 +6947,57 @@
           <a:bodyPr/>
           <a:lstStyle/>
           <a:p>
+            <a:pPr>
+              <a:lnSpc>
+                <a:spcPct val="200000"/>
+              </a:lnSpc>
+            </a:pPr>
             <a:r>
               <a:rPr lang="fr-CH" dirty="0" smtClean="0"/>
               <a:t>Qu’est-ce le Pokédex ?</a:t>
             </a:r>
           </a:p>
           <a:p>
+            <a:pPr>
+              <a:lnSpc>
+                <a:spcPct val="200000"/>
+              </a:lnSpc>
+            </a:pPr>
             <a:r>
               <a:rPr lang="fr-CH" dirty="0" smtClean="0"/>
-              <a:t>Pourquoi le Pokédex ?</a:t>
-            </a:r>
-          </a:p>
-          <a:p>
+              <a:t>Pourquoi le </a:t>
+            </a:r>
+            <a:r>
+              <a:rPr lang="fr-CH" dirty="0" err="1" smtClean="0"/>
+              <a:t>Pokédex</a:t>
+            </a:r>
+            <a:r>
+              <a:rPr lang="fr-CH" dirty="0" smtClean="0"/>
+              <a:t> </a:t>
+            </a:r>
+            <a:r>
+              <a:rPr lang="fr-CH" dirty="0" smtClean="0"/>
+              <a:t>?</a:t>
+            </a:r>
+          </a:p>
+          <a:p>
+            <a:pPr>
+              <a:lnSpc>
+                <a:spcPct val="200000"/>
+              </a:lnSpc>
+            </a:pPr>
+            <a:r>
+              <a:rPr lang="fr-CH" dirty="0" smtClean="0"/>
+              <a:t>Les objectifs atteints</a:t>
+            </a:r>
+            <a:endParaRPr lang="fr-CH" dirty="0" smtClean="0"/>
+          </a:p>
+          <a:p>
+            <a:pPr>
+              <a:lnSpc>
+                <a:spcPct val="200000"/>
+              </a:lnSpc>
+            </a:pPr>
             <a:endParaRPr lang="fr-CH" dirty="0"/>
           </a:p>
         </p:txBody>

--- a/Documentation/Pokedex_presentation.pptx
+++ b/Documentation/Pokedex_presentation.pptx
@@ -206,7 +206,7 @@
           <a:p>
             <a:fld id="{EE85D7E5-6147-43FC-865C-8F0633F0B2EB}" type="datetimeFigureOut">
               <a:rPr lang="fr-CH" smtClean="0"/>
-              <a:t>09.04.2018</a:t>
+              <a:t>10.04.2018</a:t>
             </a:fld>
             <a:endParaRPr lang="fr-CH"/>
           </a:p>
@@ -6973,11 +6973,7 @@
             </a:r>
             <a:r>
               <a:rPr lang="fr-CH" dirty="0" smtClean="0"/>
-              <a:t> </a:t>
-            </a:r>
-            <a:r>
-              <a:rPr lang="fr-CH" dirty="0" smtClean="0"/>
-              <a:t>?</a:t>
+              <a:t> ?</a:t>
             </a:r>
           </a:p>
           <a:p>
@@ -6990,7 +6986,6 @@
               <a:rPr lang="fr-CH" dirty="0" smtClean="0"/>
               <a:t>Les objectifs atteints</a:t>
             </a:r>
-            <a:endParaRPr lang="fr-CH" dirty="0" smtClean="0"/>
           </a:p>
           <a:p>
             <a:pPr>
@@ -7548,7 +7543,15 @@
           <a:p>
             <a:r>
               <a:rPr lang="fr-CH" dirty="0" smtClean="0"/>
-              <a:t>Liste des tous les Pokémon</a:t>
+              <a:t>Liste </a:t>
+            </a:r>
+            <a:r>
+              <a:rPr lang="fr-CH" dirty="0" smtClean="0"/>
+              <a:t>de </a:t>
+            </a:r>
+            <a:r>
+              <a:rPr lang="fr-CH" dirty="0" smtClean="0"/>
+              <a:t>tous les Pokémon</a:t>
             </a:r>
           </a:p>
           <a:p>
@@ -7948,20 +7951,17 @@
             </a:pPr>
             <a:r>
               <a:rPr lang="fr-CH" dirty="0" smtClean="0"/>
-              <a:t>Cliquer sur n’importe quel Pokémon</a:t>
-            </a:r>
-          </a:p>
-          <a:p>
-            <a:pPr>
-              <a:lnSpc>
-                <a:spcPct val="200000"/>
-              </a:lnSpc>
-            </a:pPr>
-            <a:r>
-              <a:rPr lang="fr-CH" dirty="0" smtClean="0"/>
-              <a:t>Cliquer sur n’importe quelle attaque</a:t>
-            </a:r>
-            <a:endParaRPr lang="fr-CH" dirty="0"/>
+              <a:t>Cliquer sur n’importe </a:t>
+            </a:r>
+            <a:r>
+              <a:rPr lang="fr-CH" smtClean="0"/>
+              <a:t>quel </a:t>
+            </a:r>
+            <a:r>
+              <a:rPr lang="fr-CH" smtClean="0"/>
+              <a:t>Pokémon</a:t>
+            </a:r>
+            <a:endParaRPr lang="fr-CH" dirty="0" smtClean="0"/>
           </a:p>
         </p:txBody>
       </p:sp>
